--- a/Proposal/Slide_RHMS.pptx
+++ b/Proposal/Slide_RHMS.pptx
@@ -9036,7 +9036,12 @@
             <p:ph type="title"/>
           </p:nvPr>
         </p:nvSpPr>
-        <p:spPr/>
+        <p:spPr>
+          <a:xfrm>
+            <a:off x="677334" y="609600"/>
+            <a:ext cx="8506423" cy="742122"/>
+          </a:xfrm>
+        </p:spPr>
         <p:txBody>
           <a:bodyPr/>
           <a:lstStyle/>
@@ -9061,8 +9066,8 @@
         </p:nvSpPr>
         <p:spPr>
           <a:xfrm>
-            <a:off x="1141412" y="1745904"/>
-            <a:ext cx="9905999" cy="3541714"/>
+            <a:off x="916125" y="1351722"/>
+            <a:ext cx="7339979" cy="3233530"/>
           </a:xfrm>
         </p:spPr>
         <p:txBody>
